--- a/Postman Principal Skoleni.pptx
+++ b/Postman Principal Skoleni.pptx
@@ -136,6 +136,51 @@
     </p:ext>
   </p:extLst>
 </p:presentation>
+</file>
+
+<file path=ppt/revisionInfo.xml><?xml version="1.0" encoding="utf-8"?>
+<p1510:revInfo xmlns:a="http://schemas.openxmlformats.org/drawingml/2006/main" xmlns:r="http://schemas.openxmlformats.org/officeDocument/2006/relationships" xmlns:p1510="http://schemas.microsoft.com/office/powerpoint/2015/10/main">
+  <p1510:revLst>
+    <p1510:client id="{44653D75-A608-E740-9663-FDC9D005253A}" v="3" dt="2021-11-08T00:44:03.839"/>
+  </p1510:revLst>
+</p1510:revInfo>
+</file>
+
+<file path=ppt/changesInfos/changesInfo1.xml><?xml version="1.0" encoding="utf-8"?>
+<pc:chgInfo xmlns:a="http://schemas.openxmlformats.org/drawingml/2006/main" xmlns:r="http://schemas.openxmlformats.org/officeDocument/2006/relationships" xmlns:ac="http://schemas.microsoft.com/office/drawing/2013/main/command" xmlns:pc="http://schemas.microsoft.com/office/powerpoint/2013/main/command">
+  <pc:docChgLst>
+    <pc:chgData name="Petr Fifka" userId="760ab0c7-3579-4389-8e79-acee3276f2da" providerId="ADAL" clId="{44653D75-A608-E740-9663-FDC9D005253A}"/>
+    <pc:docChg chg="modSld">
+      <pc:chgData name="Petr Fifka" userId="760ab0c7-3579-4389-8e79-acee3276f2da" providerId="ADAL" clId="{44653D75-A608-E740-9663-FDC9D005253A}" dt="2021-11-08T00:44:03.839" v="2" actId="1076"/>
+      <pc:docMkLst>
+        <pc:docMk/>
+      </pc:docMkLst>
+      <pc:sldChg chg="addSp delSp modSp">
+        <pc:chgData name="Petr Fifka" userId="760ab0c7-3579-4389-8e79-acee3276f2da" providerId="ADAL" clId="{44653D75-A608-E740-9663-FDC9D005253A}" dt="2021-11-08T00:44:03.839" v="2" actId="1076"/>
+        <pc:sldMkLst>
+          <pc:docMk/>
+          <pc:sldMk cId="2933903767" sldId="283"/>
+        </pc:sldMkLst>
+        <pc:picChg chg="del">
+          <ac:chgData name="Petr Fifka" userId="760ab0c7-3579-4389-8e79-acee3276f2da" providerId="ADAL" clId="{44653D75-A608-E740-9663-FDC9D005253A}" dt="2021-11-08T00:43:57.334" v="0" actId="478"/>
+          <ac:picMkLst>
+            <pc:docMk/>
+            <pc:sldMk cId="2933903767" sldId="283"/>
+            <ac:picMk id="2050" creationId="{AE64D847-69F2-D644-A4C0-75CA50B90E15}"/>
+          </ac:picMkLst>
+        </pc:picChg>
+        <pc:picChg chg="add mod">
+          <ac:chgData name="Petr Fifka" userId="760ab0c7-3579-4389-8e79-acee3276f2da" providerId="ADAL" clId="{44653D75-A608-E740-9663-FDC9D005253A}" dt="2021-11-08T00:44:03.839" v="2" actId="1076"/>
+          <ac:picMkLst>
+            <pc:docMk/>
+            <pc:sldMk cId="2933903767" sldId="283"/>
+            <ac:picMk id="2052" creationId="{F0022420-422C-654B-8439-9B39EDB24CD2}"/>
+          </ac:picMkLst>
+        </pc:picChg>
+      </pc:sldChg>
+    </pc:docChg>
+  </pc:docChgLst>
+</pc:chgInfo>
 </file>
 
 <file path=ppt/notesMasters/notesMaster1.xml><?xml version="1.0" encoding="utf-8"?>
@@ -5781,10 +5826,10 @@
       </p:sp>
       <p:pic>
         <p:nvPicPr>
-          <p:cNvPr id="2050" name="Picture 2">
+          <p:cNvPr id="2052" name="Picture 4">
             <a:extLst>
               <a:ext uri="{FF2B5EF4-FFF2-40B4-BE49-F238E27FC236}">
-                <a16:creationId xmlns:a16="http://schemas.microsoft.com/office/drawing/2014/main" id="{AE64D847-69F2-D644-A4C0-75CA50B90E15}"/>
+                <a16:creationId xmlns:a16="http://schemas.microsoft.com/office/drawing/2014/main" id="{F0022420-422C-654B-8439-9B39EDB24CD2}"/>
               </a:ext>
             </a:extLst>
           </p:cNvPr>
@@ -5808,7 +5853,7 @@
         </p:blipFill>
         <p:spPr bwMode="auto">
           <a:xfrm>
-            <a:off x="8903518" y="3302275"/>
+            <a:off x="9040892" y="3429000"/>
             <a:ext cx="2540000" cy="2540000"/>
           </a:xfrm>
           <a:prstGeom prst="rect">
